--- a/Figures/Logo.pptx
+++ b/Figures/Logo.pptx
@@ -3356,10 +3356,10 @@
         </p:nvGrpSpPr>
         <p:grpSpPr>
           <a:xfrm>
-            <a:off x="3167744" y="1075415"/>
-            <a:ext cx="2481216" cy="984885"/>
-            <a:chOff x="3167744" y="1075415"/>
-            <a:chExt cx="2481216" cy="984885"/>
+            <a:off x="3167744" y="1121581"/>
+            <a:ext cx="2481216" cy="903458"/>
+            <a:chOff x="3167744" y="1121581"/>
+            <a:chExt cx="2481216" cy="903458"/>
           </a:xfrm>
         </p:grpSpPr>
         <p:sp>
@@ -3376,8 +3376,8 @@
           </p:nvSpPr>
           <p:spPr>
             <a:xfrm>
-              <a:off x="3167744" y="1075415"/>
-              <a:ext cx="2481216" cy="523220"/>
+              <a:off x="3167744" y="1121581"/>
+              <a:ext cx="2481216" cy="477054"/>
             </a:xfrm>
             <a:prstGeom prst="rect">
               <a:avLst/>
@@ -3390,39 +3390,65 @@
                   </a:schemeClr>
                 </a:gs>
                 <a:gs pos="100000">
-                  <a:schemeClr val="accent5">
-                    <a:lumMod val="100000"/>
-                  </a:schemeClr>
+                  <a:srgbClr val="5A005A"/>
                 </a:gs>
               </a:gsLst>
               <a:lin ang="5400000" scaled="0"/>
               <a:tileRect/>
             </a:gradFill>
             <a:ln>
-              <a:solidFill>
-                <a:schemeClr val="accent1"/>
-              </a:solidFill>
+              <a:noFill/>
             </a:ln>
+            <a:effectLst>
+              <a:reflection blurRad="6350" stA="52000" endA="300" endPos="35000" dir="5400000" sy="-100000" algn="bl" rotWithShape="0"/>
+              <a:softEdge rad="0"/>
+            </a:effectLst>
+            <a:scene3d>
+              <a:camera prst="orthographicFront"/>
+              <a:lightRig rig="threePt" dir="t"/>
+            </a:scene3d>
+            <a:sp3d/>
           </p:spPr>
           <p:txBody>
-            <a:bodyPr wrap="square" rtlCol="0">
+            <a:bodyPr wrap="square" lIns="0" rIns="0" bIns="0" rtlCol="0" anchor="b" anchorCtr="1">
               <a:spAutoFit/>
+              <a:flatTx/>
             </a:bodyPr>
             <a:lstStyle/>
             <a:p>
               <a:r>
                 <a:rPr lang="en-GB" sz="2800" dirty="0">
+                  <a:ln w="1270">
+                    <a:noFill/>
+                  </a:ln>
                   <a:solidFill>
-                    <a:srgbClr val="001564"/>
+                    <a:srgbClr val="780078"/>
                   </a:solidFill>
+                  <a:effectLst>
+                    <a:innerShdw blurRad="76200" dist="50800" dir="16200000">
+                      <a:srgbClr val="310031">
+                        <a:alpha val="47000"/>
+                      </a:srgbClr>
+                    </a:innerShdw>
+                  </a:effectLst>
                   <a:latin typeface="Franklin Gothic Demi" panose="020B0703020102020204" pitchFamily="34" charset="0"/>
                 </a:rPr>
                 <a:t>GRIMBERGEN</a:t>
               </a:r>
               <a:endParaRPr lang="en-NL" sz="2800" dirty="0">
+                <a:ln w="1270">
+                  <a:noFill/>
+                </a:ln>
                 <a:solidFill>
-                  <a:srgbClr val="001564"/>
+                  <a:srgbClr val="780078"/>
                 </a:solidFill>
+                <a:effectLst>
+                  <a:innerShdw blurRad="76200" dist="50800" dir="16200000">
+                    <a:srgbClr val="310031">
+                      <a:alpha val="47000"/>
+                    </a:srgbClr>
+                  </a:innerShdw>
+                </a:effectLst>
                 <a:latin typeface="Franklin Gothic Demi" panose="020B0703020102020204" pitchFamily="34" charset="0"/>
               </a:endParaRPr>
             </a:p>
@@ -3443,7 +3469,7 @@
           <p:spPr>
             <a:xfrm>
               <a:off x="3167744" y="1598635"/>
-              <a:ext cx="2481216" cy="461665"/>
+              <a:ext cx="2481216" cy="426404"/>
             </a:xfrm>
             <a:prstGeom prst="rect">
               <a:avLst/>
@@ -3451,25 +3477,22 @@
             <a:gradFill flip="none" rotWithShape="1">
               <a:gsLst>
                 <a:gs pos="0">
-                  <a:srgbClr val="0036FA"/>
+                  <a:srgbClr val="640064"/>
                 </a:gs>
                 <a:gs pos="100000">
-                  <a:schemeClr val="bg1">
-                    <a:lumMod val="95000"/>
-                  </a:schemeClr>
+                  <a:schemeClr val="tx1"/>
                 </a:gs>
               </a:gsLst>
               <a:lin ang="5400000" scaled="1"/>
               <a:tileRect/>
             </a:gradFill>
             <a:ln>
-              <a:solidFill>
-                <a:schemeClr val="accent1"/>
-              </a:solidFill>
+              <a:noFill/>
             </a:ln>
+            <a:effectLst/>
           </p:spPr>
           <p:txBody>
-            <a:bodyPr wrap="square" rtlCol="0">
+            <a:bodyPr wrap="square" lIns="0" tIns="0" rIns="0" rtlCol="0" anchor="t" anchorCtr="1">
               <a:spAutoFit/>
             </a:bodyPr>
             <a:lstStyle/>
@@ -3477,9 +3500,19 @@
               <a:pPr algn="ctr"/>
               <a:r>
                 <a:rPr lang="en-GB" sz="2400" dirty="0">
+                  <a:ln w="1270">
+                    <a:noFill/>
+                  </a:ln>
                   <a:solidFill>
-                    <a:srgbClr val="001564"/>
+                    <a:srgbClr val="CEC4CE"/>
                   </a:solidFill>
+                  <a:effectLst>
+                    <a:innerShdw blurRad="63500" dist="38100" dir="5400000">
+                      <a:prstClr val="black">
+                        <a:alpha val="47000"/>
+                      </a:prstClr>
+                    </a:innerShdw>
+                  </a:effectLst>
                   <a:latin typeface="Franklin Gothic Demi" panose="020B0703020102020204" pitchFamily="34" charset="0"/>
                   <a:ea typeface="ADLaM Display" panose="020F0502020204030204" pitchFamily="2" charset="0"/>
                   <a:cs typeface="ADLaM Display" panose="020F0502020204030204" pitchFamily="2" charset="0"/>
@@ -3487,9 +3520,19 @@
                 <a:t>SOFTWARE</a:t>
               </a:r>
               <a:endParaRPr lang="en-NL" sz="2400" dirty="0">
+                <a:ln w="1270">
+                  <a:noFill/>
+                </a:ln>
                 <a:solidFill>
-                  <a:srgbClr val="001564"/>
+                  <a:srgbClr val="CEC4CE"/>
                 </a:solidFill>
+                <a:effectLst>
+                  <a:innerShdw blurRad="63500" dist="38100" dir="5400000">
+                    <a:prstClr val="black">
+                      <a:alpha val="47000"/>
+                    </a:prstClr>
+                  </a:innerShdw>
+                </a:effectLst>
                 <a:latin typeface="Franklin Gothic Demi" panose="020B0703020102020204" pitchFamily="34" charset="0"/>
                 <a:ea typeface="ADLaM Display" panose="020F0502020204030204" pitchFamily="2" charset="0"/>
                 <a:cs typeface="ADLaM Display" panose="020F0502020204030204" pitchFamily="2" charset="0"/>
@@ -3498,6 +3541,294 @@
           </p:txBody>
         </p:sp>
       </p:grpSp>
+      <p:pic>
+        <p:nvPicPr>
+          <p:cNvPr id="8" name="Graphic 7" descr="Bar chart with solid fill">
+            <a:extLst>
+              <a:ext uri="{FF2B5EF4-FFF2-40B4-BE49-F238E27FC236}">
+                <a16:creationId xmlns:a16="http://schemas.microsoft.com/office/drawing/2014/main" id="{696AE7F4-1234-CEA2-E611-F01997CD7FF1}"/>
+              </a:ext>
+            </a:extLst>
+          </p:cNvPr>
+          <p:cNvPicPr>
+            <a:picLocks noChangeAspect="1"/>
+          </p:cNvPicPr>
+          <p:nvPr/>
+        </p:nvPicPr>
+        <p:blipFill>
+          <a:blip r:embed="rId2">
+            <a:extLst>
+              <a:ext uri="{96DAC541-7B7A-43D3-8B79-37D633B846F1}">
+                <asvg:svgBlip xmlns:asvg="http://schemas.microsoft.com/office/drawing/2016/SVG/main" r:embed="rId3"/>
+              </a:ext>
+            </a:extLst>
+          </a:blip>
+          <a:stretch>
+            <a:fillRect/>
+          </a:stretch>
+        </p:blipFill>
+        <p:spPr>
+          <a:xfrm>
+            <a:off x="2077115" y="3496730"/>
+            <a:ext cx="982133" cy="982133"/>
+          </a:xfrm>
+          <a:prstGeom prst="rect">
+            <a:avLst/>
+          </a:prstGeom>
+        </p:spPr>
+      </p:pic>
+      <p:pic>
+        <p:nvPicPr>
+          <p:cNvPr id="10" name="Graphic 9" descr="Cloud outline">
+            <a:extLst>
+              <a:ext uri="{FF2B5EF4-FFF2-40B4-BE49-F238E27FC236}">
+                <a16:creationId xmlns:a16="http://schemas.microsoft.com/office/drawing/2014/main" id="{0EE8401B-9CF8-D3FA-E7B1-2791D4738EFF}"/>
+              </a:ext>
+            </a:extLst>
+          </p:cNvPr>
+          <p:cNvPicPr>
+            <a:picLocks noChangeAspect="1"/>
+          </p:cNvPicPr>
+          <p:nvPr/>
+        </p:nvPicPr>
+        <p:blipFill>
+          <a:blip r:embed="rId4">
+            <a:extLst>
+              <a:ext uri="{96DAC541-7B7A-43D3-8B79-37D633B846F1}">
+                <asvg:svgBlip xmlns:asvg="http://schemas.microsoft.com/office/drawing/2016/SVG/main" r:embed="rId5"/>
+              </a:ext>
+            </a:extLst>
+          </a:blip>
+          <a:stretch>
+            <a:fillRect/>
+          </a:stretch>
+        </p:blipFill>
+        <p:spPr>
+          <a:xfrm>
+            <a:off x="3276600" y="3564465"/>
+            <a:ext cx="914400" cy="914400"/>
+          </a:xfrm>
+          <a:prstGeom prst="rect">
+            <a:avLst/>
+          </a:prstGeom>
+        </p:spPr>
+      </p:pic>
+      <p:pic>
+        <p:nvPicPr>
+          <p:cNvPr id="12" name="Graphic 11" descr="Gears outline">
+            <a:extLst>
+              <a:ext uri="{FF2B5EF4-FFF2-40B4-BE49-F238E27FC236}">
+                <a16:creationId xmlns:a16="http://schemas.microsoft.com/office/drawing/2014/main" id="{0001D499-D07B-07D1-616B-83AFFE990126}"/>
+              </a:ext>
+            </a:extLst>
+          </p:cNvPr>
+          <p:cNvPicPr>
+            <a:picLocks noChangeAspect="1"/>
+          </p:cNvPicPr>
+          <p:nvPr/>
+        </p:nvPicPr>
+        <p:blipFill>
+          <a:blip r:embed="rId6">
+            <a:extLst>
+              <a:ext uri="{96DAC541-7B7A-43D3-8B79-37D633B846F1}">
+                <asvg:svgBlip xmlns:asvg="http://schemas.microsoft.com/office/drawing/2016/SVG/main" r:embed="rId7"/>
+              </a:ext>
+            </a:extLst>
+          </a:blip>
+          <a:stretch>
+            <a:fillRect/>
+          </a:stretch>
+        </p:blipFill>
+        <p:spPr>
+          <a:xfrm>
+            <a:off x="4408352" y="3564465"/>
+            <a:ext cx="914400" cy="914400"/>
+          </a:xfrm>
+          <a:prstGeom prst="rect">
+            <a:avLst/>
+          </a:prstGeom>
+        </p:spPr>
+      </p:pic>
+      <p:pic>
+        <p:nvPicPr>
+          <p:cNvPr id="14" name="Graphic 13" descr="Chevron arrows with solid fill">
+            <a:extLst>
+              <a:ext uri="{FF2B5EF4-FFF2-40B4-BE49-F238E27FC236}">
+                <a16:creationId xmlns:a16="http://schemas.microsoft.com/office/drawing/2014/main" id="{6202BAB0-81FB-62BC-FAF6-0F7F01CABAEF}"/>
+              </a:ext>
+            </a:extLst>
+          </p:cNvPr>
+          <p:cNvPicPr>
+            <a:picLocks noChangeAspect="1"/>
+          </p:cNvPicPr>
+          <p:nvPr/>
+        </p:nvPicPr>
+        <p:blipFill>
+          <a:blip r:embed="rId8">
+            <a:extLst>
+              <a:ext uri="{96DAC541-7B7A-43D3-8B79-37D633B846F1}">
+                <asvg:svgBlip xmlns:asvg="http://schemas.microsoft.com/office/drawing/2016/SVG/main" r:embed="rId9"/>
+              </a:ext>
+            </a:extLst>
+          </a:blip>
+          <a:stretch>
+            <a:fillRect/>
+          </a:stretch>
+        </p:blipFill>
+        <p:spPr>
+          <a:xfrm rot="5400000">
+            <a:off x="5540104" y="3564463"/>
+            <a:ext cx="914400" cy="914400"/>
+          </a:xfrm>
+          <a:prstGeom prst="rect">
+            <a:avLst/>
+          </a:prstGeom>
+        </p:spPr>
+      </p:pic>
+      <p:pic>
+        <p:nvPicPr>
+          <p:cNvPr id="15" name="Graphic 14" descr="Bar chart with solid fill">
+            <a:extLst>
+              <a:ext uri="{FF2B5EF4-FFF2-40B4-BE49-F238E27FC236}">
+                <a16:creationId xmlns:a16="http://schemas.microsoft.com/office/drawing/2014/main" id="{D2470971-39CF-A342-190D-35EB5ADE367B}"/>
+              </a:ext>
+            </a:extLst>
+          </p:cNvPr>
+          <p:cNvPicPr>
+            <a:picLocks noChangeAspect="1"/>
+          </p:cNvPicPr>
+          <p:nvPr/>
+        </p:nvPicPr>
+        <p:blipFill>
+          <a:blip r:embed="rId2">
+            <a:extLst>
+              <a:ext uri="{96DAC541-7B7A-43D3-8B79-37D633B846F1}">
+                <asvg:svgBlip xmlns:asvg="http://schemas.microsoft.com/office/drawing/2016/SVG/main" r:embed="rId3"/>
+              </a:ext>
+            </a:extLst>
+          </a:blip>
+          <a:stretch>
+            <a:fillRect/>
+          </a:stretch>
+        </p:blipFill>
+        <p:spPr>
+          <a:xfrm>
+            <a:off x="2077114" y="4478863"/>
+            <a:ext cx="982133" cy="982133"/>
+          </a:xfrm>
+          <a:prstGeom prst="rect">
+            <a:avLst/>
+          </a:prstGeom>
+        </p:spPr>
+      </p:pic>
+      <p:pic>
+        <p:nvPicPr>
+          <p:cNvPr id="16" name="Graphic 15" descr="Cloud outline">
+            <a:extLst>
+              <a:ext uri="{FF2B5EF4-FFF2-40B4-BE49-F238E27FC236}">
+                <a16:creationId xmlns:a16="http://schemas.microsoft.com/office/drawing/2014/main" id="{53274784-4095-916C-910E-D2271852BA49}"/>
+              </a:ext>
+            </a:extLst>
+          </p:cNvPr>
+          <p:cNvPicPr>
+            <a:picLocks noChangeAspect="1"/>
+          </p:cNvPicPr>
+          <p:nvPr/>
+        </p:nvPicPr>
+        <p:blipFill>
+          <a:blip r:embed="rId4">
+            <a:extLst>
+              <a:ext uri="{96DAC541-7B7A-43D3-8B79-37D633B846F1}">
+                <asvg:svgBlip xmlns:asvg="http://schemas.microsoft.com/office/drawing/2016/SVG/main" r:embed="rId5"/>
+              </a:ext>
+            </a:extLst>
+          </a:blip>
+          <a:stretch>
+            <a:fillRect/>
+          </a:stretch>
+        </p:blipFill>
+        <p:spPr>
+          <a:xfrm>
+            <a:off x="3276600" y="4512729"/>
+            <a:ext cx="914400" cy="914400"/>
+          </a:xfrm>
+          <a:prstGeom prst="rect">
+            <a:avLst/>
+          </a:prstGeom>
+        </p:spPr>
+      </p:pic>
+      <p:pic>
+        <p:nvPicPr>
+          <p:cNvPr id="17" name="Graphic 16" descr="Gears outline">
+            <a:extLst>
+              <a:ext uri="{FF2B5EF4-FFF2-40B4-BE49-F238E27FC236}">
+                <a16:creationId xmlns:a16="http://schemas.microsoft.com/office/drawing/2014/main" id="{4B45C258-23FA-E734-CC44-87026B1FFFC2}"/>
+              </a:ext>
+            </a:extLst>
+          </p:cNvPr>
+          <p:cNvPicPr>
+            <a:picLocks noChangeAspect="1"/>
+          </p:cNvPicPr>
+          <p:nvPr/>
+        </p:nvPicPr>
+        <p:blipFill>
+          <a:blip r:embed="rId6">
+            <a:extLst>
+              <a:ext uri="{96DAC541-7B7A-43D3-8B79-37D633B846F1}">
+                <asvg:svgBlip xmlns:asvg="http://schemas.microsoft.com/office/drawing/2016/SVG/main" r:embed="rId7"/>
+              </a:ext>
+            </a:extLst>
+          </a:blip>
+          <a:stretch>
+            <a:fillRect/>
+          </a:stretch>
+        </p:blipFill>
+        <p:spPr>
+          <a:xfrm>
+            <a:off x="4408352" y="4546596"/>
+            <a:ext cx="914400" cy="914400"/>
+          </a:xfrm>
+          <a:prstGeom prst="rect">
+            <a:avLst/>
+          </a:prstGeom>
+        </p:spPr>
+      </p:pic>
+      <p:pic>
+        <p:nvPicPr>
+          <p:cNvPr id="18" name="Graphic 17" descr="Chevron arrows with solid fill">
+            <a:extLst>
+              <a:ext uri="{FF2B5EF4-FFF2-40B4-BE49-F238E27FC236}">
+                <a16:creationId xmlns:a16="http://schemas.microsoft.com/office/drawing/2014/main" id="{9B681254-D47F-FFDE-D33B-6230FE15EB37}"/>
+              </a:ext>
+            </a:extLst>
+          </p:cNvPr>
+          <p:cNvPicPr>
+            <a:picLocks noChangeAspect="1"/>
+          </p:cNvPicPr>
+          <p:nvPr/>
+        </p:nvPicPr>
+        <p:blipFill>
+          <a:blip r:embed="rId8">
+            <a:extLst>
+              <a:ext uri="{96DAC541-7B7A-43D3-8B79-37D633B846F1}">
+                <asvg:svgBlip xmlns:asvg="http://schemas.microsoft.com/office/drawing/2016/SVG/main" r:embed="rId10"/>
+              </a:ext>
+            </a:extLst>
+          </a:blip>
+          <a:stretch>
+            <a:fillRect/>
+          </a:stretch>
+        </p:blipFill>
+        <p:spPr>
+          <a:xfrm rot="5400000">
+            <a:off x="5540104" y="4546596"/>
+            <a:ext cx="914400" cy="914400"/>
+          </a:xfrm>
+          <a:prstGeom prst="rect">
+            <a:avLst/>
+          </a:prstGeom>
+        </p:spPr>
+      </p:pic>
     </p:spTree>
     <p:extLst>
       <p:ext uri="{BB962C8B-B14F-4D97-AF65-F5344CB8AC3E}">
